--- a/Pitch/presentation.pptx
+++ b/Pitch/presentation.pptx
@@ -8,12 +8,13 @@
     <p:sldId id="256" r:id="rId2"/>
     <p:sldId id="257" r:id="rId3"/>
     <p:sldId id="258" r:id="rId4"/>
-    <p:sldId id="259" r:id="rId5"/>
-    <p:sldId id="261" r:id="rId6"/>
-    <p:sldId id="262" r:id="rId7"/>
-    <p:sldId id="263" r:id="rId8"/>
-    <p:sldId id="264" r:id="rId9"/>
-    <p:sldId id="260" r:id="rId10"/>
+    <p:sldId id="265" r:id="rId5"/>
+    <p:sldId id="259" r:id="rId6"/>
+    <p:sldId id="261" r:id="rId7"/>
+    <p:sldId id="262" r:id="rId8"/>
+    <p:sldId id="263" r:id="rId9"/>
+    <p:sldId id="264" r:id="rId10"/>
+    <p:sldId id="260" r:id="rId11"/>
   </p:sldIdLst>
   <p:sldSz cx="12192000" cy="6858000"/>
   <p:notesSz cx="6858000" cy="9144000"/>
@@ -112,6 +113,11 @@
       </a:defRPr>
     </a:lvl9pPr>
   </p:defaultTextStyle>
+  <p:extLst>
+    <p:ext uri="{EFAFB233-063F-42B5-8137-9DF3F51BA10A}">
+      <p15:sldGuideLst xmlns:p15="http://schemas.microsoft.com/office/powerpoint/2012/main"/>
+    </p:ext>
+  </p:extLst>
 </p:presentation>
 </file>
 
@@ -283,7 +289,7 @@
           <a:p>
             <a:fld id="{9E016143-E03C-4CFD-AFDC-14E5BDEA754C}" type="datetimeFigureOut">
               <a:rPr lang="en-US" dirty="0"/>
-              <a:t>4/25/2022</a:t>
+              <a:t>4/28/2022</a:t>
             </a:fld>
             <a:endParaRPr lang="en-US" dirty="0"/>
           </a:p>
@@ -507,7 +513,7 @@
           <a:p>
             <a:fld id="{C033E54A-A8CA-48C1-9504-691B58049D29}" type="datetimeFigureOut">
               <a:rPr lang="en-US" dirty="0"/>
-              <a:t>4/25/2022</a:t>
+              <a:t>4/28/2022</a:t>
             </a:fld>
             <a:endParaRPr lang="en-US" dirty="0"/>
           </a:p>
@@ -682,7 +688,7 @@
           <a:p>
             <a:fld id="{B5F6C806-BBF7-471C-9527-881CE2266695}" type="datetimeFigureOut">
               <a:rPr lang="en-US" dirty="0"/>
-              <a:t>4/25/2022</a:t>
+              <a:t>4/28/2022</a:t>
             </a:fld>
             <a:endParaRPr lang="en-US" dirty="0"/>
           </a:p>
@@ -847,7 +853,7 @@
           <a:p>
             <a:fld id="{78C94063-DF36-4330-A365-08DA1FA5B7D6}" type="datetimeFigureOut">
               <a:rPr lang="en-US" dirty="0"/>
-              <a:t>4/25/2022</a:t>
+              <a:t>4/28/2022</a:t>
             </a:fld>
             <a:endParaRPr lang="en-US" dirty="0"/>
           </a:p>
@@ -1096,7 +1102,7 @@
           <a:p>
             <a:fld id="{908A7C6C-0F39-4D70-8E8D-FE5B9C95FA73}" type="datetimeFigureOut">
               <a:rPr lang="en-US" dirty="0"/>
-              <a:t>4/25/2022</a:t>
+              <a:t>4/28/2022</a:t>
             </a:fld>
             <a:endParaRPr lang="en-US" dirty="0"/>
           </a:p>
@@ -1417,7 +1423,7 @@
           <a:p>
             <a:fld id="{DFCFA4AC-08CC-42CE-BD01-C191750A04EC}" type="datetimeFigureOut">
               <a:rPr lang="en-US" dirty="0"/>
-              <a:t>4/25/2022</a:t>
+              <a:t>4/28/2022</a:t>
             </a:fld>
             <a:endParaRPr lang="en-US" dirty="0"/>
           </a:p>
@@ -1863,7 +1869,7 @@
           <a:p>
             <a:fld id="{1BA7A723-92A7-435B-B681-F25B092FEFEB}" type="datetimeFigureOut">
               <a:rPr lang="en-US" dirty="0"/>
-              <a:t>4/25/2022</a:t>
+              <a:t>4/28/2022</a:t>
             </a:fld>
             <a:endParaRPr lang="en-US" dirty="0"/>
           </a:p>
@@ -1976,7 +1982,7 @@
           <a:p>
             <a:fld id="{4F170639-886C-4FCF-9EAB-ABB5DA3F3F4A}" type="datetimeFigureOut">
               <a:rPr lang="en-US" dirty="0"/>
-              <a:t>4/25/2022</a:t>
+              <a:t>4/28/2022</a:t>
             </a:fld>
             <a:endParaRPr lang="en-US" dirty="0"/>
           </a:p>
@@ -2066,7 +2072,7 @@
           <a:p>
             <a:fld id="{22230651-31F4-45D2-98AE-A2108F41BC07}" type="datetimeFigureOut">
               <a:rPr lang="en-US" dirty="0"/>
-              <a:t>4/25/2022</a:t>
+              <a:t>4/28/2022</a:t>
             </a:fld>
             <a:endParaRPr lang="en-US" dirty="0"/>
           </a:p>
@@ -2348,7 +2354,7 @@
           <a:p>
             <a:fld id="{6F53789A-C914-4DB1-8815-80B5EC7335C5}" type="datetimeFigureOut">
               <a:rPr lang="en-US" dirty="0"/>
-              <a:t>4/25/2022</a:t>
+              <a:t>4/28/2022</a:t>
             </a:fld>
             <a:endParaRPr lang="en-US" dirty="0"/>
           </a:p>
@@ -2665,7 +2671,7 @@
           <a:p>
             <a:fld id="{5E6440AA-91A0-436F-8FDB-C0F939DCAE21}" type="datetimeFigureOut">
               <a:rPr lang="en-US" dirty="0"/>
-              <a:t>4/25/2022</a:t>
+              <a:t>4/28/2022</a:t>
             </a:fld>
             <a:endParaRPr lang="en-US" dirty="0"/>
           </a:p>
@@ -2914,7 +2920,7 @@
           <a:p>
             <a:fld id="{0E59FD0C-5451-4CA0-86AF-E70AE3279989}" type="datetimeFigureOut">
               <a:rPr lang="en-US" dirty="0"/>
-              <a:t>4/25/2022</a:t>
+              <a:t>4/28/2022</a:t>
             </a:fld>
             <a:endParaRPr lang="en-US" dirty="0"/>
           </a:p>
@@ -3409,7 +3415,12 @@
             <p:ph type="ctrTitle"/>
           </p:nvPr>
         </p:nvSpPr>
-        <p:spPr/>
+        <p:spPr>
+          <a:xfrm>
+            <a:off x="2700147" y="1504949"/>
+            <a:ext cx="7005828" cy="1628775"/>
+          </a:xfrm>
+        </p:spPr>
         <p:txBody>
           <a:bodyPr/>
           <a:lstStyle/>
@@ -3543,6 +3554,16 @@
               <a:t> </a:t>
             </a:r>
             <a:r>
+              <a:rPr lang="en-US" sz="2400" dirty="0" smtClean="0">
+                <a:solidFill>
+                  <a:schemeClr val="tx1"/>
+                </a:solidFill>
+                <a:latin typeface="Segoe UI" panose="020B0502040204020203" pitchFamily="34" charset="0"/>
+                <a:cs typeface="Segoe UI" panose="020B0502040204020203" pitchFamily="34" charset="0"/>
+              </a:rPr>
+              <a:t>WEB-</a:t>
+            </a:r>
+            <a:r>
               <a:rPr lang="ru-RU" sz="2400" dirty="0" smtClean="0">
                 <a:solidFill>
                   <a:schemeClr val="tx1"/>
@@ -3550,7 +3571,17 @@
                 <a:latin typeface="Segoe UI" panose="020B0502040204020203" pitchFamily="34" charset="0"/>
                 <a:cs typeface="Segoe UI" panose="020B0502040204020203" pitchFamily="34" charset="0"/>
               </a:rPr>
-              <a:t>веб приложение с использованием библиотеки «</a:t>
+              <a:t>приложение </a:t>
+            </a:r>
+            <a:r>
+              <a:rPr lang="ru-RU" sz="2400" dirty="0" smtClean="0">
+                <a:solidFill>
+                  <a:schemeClr val="tx1"/>
+                </a:solidFill>
+                <a:latin typeface="Segoe UI" panose="020B0502040204020203" pitchFamily="34" charset="0"/>
+                <a:cs typeface="Segoe UI" panose="020B0502040204020203" pitchFamily="34" charset="0"/>
+              </a:rPr>
+              <a:t>с использованием библиотеки «</a:t>
             </a:r>
             <a:r>
               <a:rPr lang="en-US" sz="2400" dirty="0" smtClean="0">
@@ -3572,6 +3603,15 @@
               </a:rPr>
               <a:t>»</a:t>
             </a:r>
+            <a:endParaRPr lang="en-US" sz="2400" dirty="0" smtClean="0">
+              <a:solidFill>
+                <a:schemeClr val="tx1"/>
+              </a:solidFill>
+              <a:latin typeface="Segoe UI" panose="020B0502040204020203" pitchFamily="34" charset="0"/>
+              <a:cs typeface="Segoe UI" panose="020B0502040204020203" pitchFamily="34" charset="0"/>
+            </a:endParaRPr>
+          </a:p>
+          <a:p>
             <a:endParaRPr lang="ru-RU" sz="2400" dirty="0">
               <a:solidFill>
                 <a:schemeClr val="tx1"/>
@@ -3592,6 +3632,176 @@
   <p:clrMapOvr>
     <a:masterClrMapping/>
   </p:clrMapOvr>
+  <p:timing>
+    <p:tnLst>
+      <p:par>
+        <p:cTn id="1" dur="indefinite" restart="never" nodeType="tmRoot"/>
+      </p:par>
+    </p:tnLst>
+  </p:timing>
+</p:sld>
+</file>
+
+<file path=ppt/slides/slide10.xml><?xml version="1.0" encoding="utf-8"?>
+<p:sld xmlns:a="http://schemas.openxmlformats.org/drawingml/2006/main" xmlns:r="http://schemas.openxmlformats.org/officeDocument/2006/relationships" xmlns:p="http://schemas.openxmlformats.org/presentationml/2006/main">
+  <p:cSld>
+    <p:spTree>
+      <p:nvGrpSpPr>
+        <p:cNvPr id="1" name=""/>
+        <p:cNvGrpSpPr/>
+        <p:nvPr/>
+      </p:nvGrpSpPr>
+      <p:grpSpPr>
+        <a:xfrm>
+          <a:off x="0" y="0"/>
+          <a:ext cx="0" cy="0"/>
+          <a:chOff x="0" y="0"/>
+          <a:chExt cx="0" cy="0"/>
+        </a:xfrm>
+      </p:grpSpPr>
+      <p:sp>
+        <p:nvSpPr>
+          <p:cNvPr id="2" name="Заголовок 1"/>
+          <p:cNvSpPr>
+            <a:spLocks noGrp="1"/>
+          </p:cNvSpPr>
+          <p:nvPr>
+            <p:ph type="title"/>
+          </p:nvPr>
+        </p:nvSpPr>
+        <p:spPr/>
+        <p:txBody>
+          <a:bodyPr/>
+          <a:lstStyle/>
+          <a:p>
+            <a:r>
+              <a:rPr lang="ru-RU" dirty="0" smtClean="0">
+                <a:latin typeface="Times New Roman" panose="02020603050405020304" pitchFamily="18" charset="0"/>
+                <a:cs typeface="Times New Roman" panose="02020603050405020304" pitchFamily="18" charset="0"/>
+              </a:rPr>
+              <a:t>Вы можете протестировать наш сайт, перейдя по ссылке</a:t>
+            </a:r>
+            <a:r>
+              <a:rPr lang="en-US" dirty="0">
+                <a:latin typeface="Times New Roman" panose="02020603050405020304" pitchFamily="18" charset="0"/>
+                <a:cs typeface="Times New Roman" panose="02020603050405020304" pitchFamily="18" charset="0"/>
+              </a:rPr>
+              <a:t>:</a:t>
+            </a:r>
+            <a:endParaRPr lang="en-US" dirty="0">
+              <a:latin typeface="Times New Roman" panose="02020603050405020304" pitchFamily="18" charset="0"/>
+              <a:cs typeface="Times New Roman" panose="02020603050405020304" pitchFamily="18" charset="0"/>
+            </a:endParaRPr>
+          </a:p>
+        </p:txBody>
+      </p:sp>
+      <p:sp>
+        <p:nvSpPr>
+          <p:cNvPr id="3" name="Объект 2"/>
+          <p:cNvSpPr>
+            <a:spLocks noGrp="1"/>
+          </p:cNvSpPr>
+          <p:nvPr>
+            <p:ph idx="1"/>
+          </p:nvPr>
+        </p:nvSpPr>
+        <p:spPr>
+          <a:xfrm>
+            <a:off x="1261872" y="1819275"/>
+            <a:ext cx="8595360" cy="2382715"/>
+          </a:xfrm>
+        </p:spPr>
+        <p:txBody>
+          <a:bodyPr>
+            <a:normAutofit/>
+          </a:bodyPr>
+          <a:lstStyle/>
+          <a:p>
+            <a:r>
+              <a:rPr lang="en-US" sz="4000" dirty="0"/>
+              <a:t>http://7925-92-39-141-191.ngrok.io</a:t>
+            </a:r>
+            <a:endParaRPr lang="en-US" sz="4000" dirty="0"/>
+          </a:p>
+        </p:txBody>
+      </p:sp>
+      <p:pic>
+        <p:nvPicPr>
+          <p:cNvPr id="4" name="Рисунок 3"/>
+          <p:cNvPicPr>
+            <a:picLocks noChangeAspect="1"/>
+          </p:cNvPicPr>
+          <p:nvPr/>
+        </p:nvPicPr>
+        <p:blipFill>
+          <a:blip r:embed="rId2">
+            <a:extLst>
+              <a:ext uri="{28A0092B-C50C-407E-A947-70E740481C1C}">
+                <a14:useLocalDpi xmlns:a14="http://schemas.microsoft.com/office/drawing/2010/main" val="0"/>
+              </a:ext>
+            </a:extLst>
+          </a:blip>
+          <a:stretch>
+            <a:fillRect/>
+          </a:stretch>
+        </p:blipFill>
+        <p:spPr>
+          <a:xfrm>
+            <a:off x="1261872" y="2455804"/>
+            <a:ext cx="3748278" cy="3748278"/>
+          </a:xfrm>
+          <a:prstGeom prst="rect">
+            <a:avLst/>
+          </a:prstGeom>
+        </p:spPr>
+      </p:pic>
+      <p:pic>
+        <p:nvPicPr>
+          <p:cNvPr id="6" name="Рисунок 5"/>
+          <p:cNvPicPr>
+            <a:picLocks noChangeAspect="1"/>
+          </p:cNvPicPr>
+          <p:nvPr/>
+        </p:nvPicPr>
+        <p:blipFill>
+          <a:blip r:embed="rId3">
+            <a:extLst>
+              <a:ext uri="{28A0092B-C50C-407E-A947-70E740481C1C}">
+                <a14:useLocalDpi xmlns:a14="http://schemas.microsoft.com/office/drawing/2010/main" val="0"/>
+              </a:ext>
+            </a:extLst>
+          </a:blip>
+          <a:stretch>
+            <a:fillRect/>
+          </a:stretch>
+        </p:blipFill>
+        <p:spPr>
+          <a:xfrm>
+            <a:off x="6857162" y="2829908"/>
+            <a:ext cx="3000070" cy="3000070"/>
+          </a:xfrm>
+          <a:prstGeom prst="rect">
+            <a:avLst/>
+          </a:prstGeom>
+        </p:spPr>
+      </p:pic>
+    </p:spTree>
+    <p:extLst>
+      <p:ext uri="{BB962C8B-B14F-4D97-AF65-F5344CB8AC3E}">
+        <p14:creationId xmlns:p14="http://schemas.microsoft.com/office/powerpoint/2010/main" val="213581767"/>
+      </p:ext>
+    </p:extLst>
+  </p:cSld>
+  <p:clrMapOvr>
+    <a:masterClrMapping/>
+  </p:clrMapOvr>
+  <p:timing>
+    <p:tnLst>
+      <p:par>
+        <p:cTn id="1" dur="indefinite" restart="never" nodeType="tmRoot"/>
+      </p:par>
+    </p:tnLst>
+  </p:timing>
 </p:sld>
 </file>
 
@@ -3660,7 +3870,15 @@
           <a:p>
             <a:r>
               <a:rPr lang="ru-RU" dirty="0" smtClean="0"/>
-              <a:t>Создать сайт с регистрацией и авторизацией. Пользователи могут ставить лайки другим пользователям и смотреть, кто их </a:t>
+              <a:t>Создать сайт </a:t>
+            </a:r>
+            <a:r>
+              <a:rPr lang="ru-RU" dirty="0" smtClean="0"/>
+              <a:t>для знакомств. </a:t>
+            </a:r>
+            <a:r>
+              <a:rPr lang="ru-RU" dirty="0" smtClean="0"/>
+              <a:t>Пользователи могут ставить лайки другим пользователям и смотреть, кто их </a:t>
             </a:r>
             <a:r>
               <a:rPr lang="ru-RU" dirty="0" err="1" smtClean="0"/>
@@ -3674,6 +3892,36 @@
           </a:p>
         </p:txBody>
       </p:sp>
+      <p:pic>
+        <p:nvPicPr>
+          <p:cNvPr id="4" name="Рисунок 3"/>
+          <p:cNvPicPr>
+            <a:picLocks noChangeAspect="1"/>
+          </p:cNvPicPr>
+          <p:nvPr/>
+        </p:nvPicPr>
+        <p:blipFill>
+          <a:blip r:embed="rId2">
+            <a:extLst>
+              <a:ext uri="{28A0092B-C50C-407E-A947-70E740481C1C}">
+                <a14:useLocalDpi xmlns:a14="http://schemas.microsoft.com/office/drawing/2010/main" val="0"/>
+              </a:ext>
+            </a:extLst>
+          </a:blip>
+          <a:stretch>
+            <a:fillRect/>
+          </a:stretch>
+        </p:blipFill>
+        <p:spPr>
+          <a:xfrm>
+            <a:off x="3972325" y="3019425"/>
+            <a:ext cx="3180950" cy="3180950"/>
+          </a:xfrm>
+          <a:prstGeom prst="rect">
+            <a:avLst/>
+          </a:prstGeom>
+        </p:spPr>
+      </p:pic>
     </p:spTree>
     <p:extLst>
       <p:ext uri="{BB962C8B-B14F-4D97-AF65-F5344CB8AC3E}">
@@ -3684,6 +3932,13 @@
   <p:clrMapOvr>
     <a:masterClrMapping/>
   </p:clrMapOvr>
+  <p:timing>
+    <p:tnLst>
+      <p:par>
+        <p:cTn id="1" dur="indefinite" restart="never" nodeType="tmRoot"/>
+      </p:par>
+    </p:tnLst>
+  </p:timing>
 </p:sld>
 </file>
 
@@ -3742,37 +3997,50 @@
           <a:bodyPr/>
           <a:lstStyle/>
           <a:p>
+            <a:pPr algn="just"/>
             <a:r>
               <a:rPr lang="ru-RU" dirty="0" smtClean="0"/>
               <a:t>Приложение использует библиотеку </a:t>
             </a:r>
             <a:r>
               <a:rPr lang="en-US" dirty="0" smtClean="0"/>
-              <a:t>flask </a:t>
+              <a:t>Flask </a:t>
             </a:r>
             <a:r>
               <a:rPr lang="ru-RU" dirty="0" smtClean="0"/>
-              <a:t>для создания веб приложения. Так же использована технология </a:t>
+              <a:t>для создания веб приложения. </a:t>
+            </a:r>
+            <a:r>
+              <a:rPr lang="ru-RU" dirty="0" smtClean="0"/>
+              <a:t>Также </a:t>
+            </a:r>
+            <a:r>
+              <a:rPr lang="ru-RU" dirty="0" smtClean="0"/>
+              <a:t>использована технология </a:t>
             </a:r>
             <a:r>
               <a:rPr lang="en-US" dirty="0" smtClean="0"/>
-              <a:t>restful </a:t>
-            </a:r>
-            <a:r>
-              <a:rPr lang="en-US" dirty="0" err="1" smtClean="0"/>
-              <a:t>api</a:t>
+              <a:t>API RESTful</a:t>
             </a:r>
             <a:r>
               <a:rPr lang="ru-RU" dirty="0" smtClean="0"/>
-              <a:t>. При открытии некоторых страниц веб приложение отправляет запросы к </a:t>
-            </a:r>
-            <a:r>
-              <a:rPr lang="ru-RU" dirty="0" err="1" smtClean="0"/>
-              <a:t>апи</a:t>
+              <a:t>. </a:t>
             </a:r>
             <a:r>
               <a:rPr lang="ru-RU" dirty="0" smtClean="0"/>
-              <a:t> и обрабатывает ответы из </a:t>
+              <a:t>При открытии некоторых страниц веб приложение отправляет запросы к </a:t>
+            </a:r>
+            <a:r>
+              <a:rPr lang="en-US" dirty="0" smtClean="0"/>
+              <a:t>API</a:t>
+            </a:r>
+            <a:r>
+              <a:rPr lang="ru-RU" dirty="0" smtClean="0"/>
+              <a:t> </a:t>
+            </a:r>
+            <a:r>
+              <a:rPr lang="ru-RU" dirty="0" smtClean="0"/>
+              <a:t>и обрабатывает ответы из </a:t>
             </a:r>
             <a:r>
               <a:rPr lang="en-US" dirty="0" smtClean="0"/>
@@ -3780,7 +4048,15 @@
             </a:r>
             <a:r>
               <a:rPr lang="ru-RU" dirty="0" smtClean="0"/>
-              <a:t>. Для динамических изменений страницы используется </a:t>
+              <a:t>. Для </a:t>
+            </a:r>
+            <a:r>
+              <a:rPr lang="ru-RU" dirty="0" smtClean="0"/>
+              <a:t>динамического обновления страницы </a:t>
+            </a:r>
+            <a:r>
+              <a:rPr lang="ru-RU" dirty="0" smtClean="0"/>
+              <a:t>используется </a:t>
             </a:r>
             <a:r>
               <a:rPr lang="en-US" dirty="0" smtClean="0"/>
@@ -3788,23 +4064,27 @@
             </a:r>
             <a:r>
               <a:rPr lang="ru-RU" dirty="0" smtClean="0"/>
-              <a:t>. Так же для работы с базой данных используется технология</a:t>
+              <a:t>. </a:t>
+            </a:r>
+            <a:r>
+              <a:rPr lang="ru-RU" dirty="0" smtClean="0"/>
+              <a:t>Для </a:t>
+            </a:r>
+            <a:r>
+              <a:rPr lang="ru-RU" dirty="0" smtClean="0"/>
+              <a:t>работы с базой данных используется технология</a:t>
             </a:r>
             <a:r>
               <a:rPr lang="en-US" dirty="0" smtClean="0"/>
               <a:t> </a:t>
             </a:r>
             <a:r>
-              <a:rPr lang="en-US" dirty="0" err="1" smtClean="0"/>
-              <a:t>orm</a:t>
-            </a:r>
-            <a:r>
               <a:rPr lang="en-US" dirty="0" smtClean="0"/>
-              <a:t> </a:t>
+              <a:t>ORM, </a:t>
             </a:r>
             <a:r>
               <a:rPr lang="ru-RU" dirty="0" smtClean="0"/>
-              <a:t>с помощью библиотеки </a:t>
+              <a:t>которая реализована с помощью библиотеки </a:t>
             </a:r>
             <a:r>
               <a:rPr lang="en-US" dirty="0" err="1" smtClean="0"/>
@@ -3814,10 +4094,39 @@
               <a:rPr lang="en-US" dirty="0"/>
               <a:t>.</a:t>
             </a:r>
-            <a:endParaRPr lang="en-US" dirty="0"/>
-          </a:p>
-        </p:txBody>
-      </p:sp>
+          </a:p>
+        </p:txBody>
+      </p:sp>
+      <p:pic>
+        <p:nvPicPr>
+          <p:cNvPr id="4" name="Рисунок 3"/>
+          <p:cNvPicPr>
+            <a:picLocks noChangeAspect="1"/>
+          </p:cNvPicPr>
+          <p:nvPr/>
+        </p:nvPicPr>
+        <p:blipFill>
+          <a:blip r:embed="rId2">
+            <a:extLst>
+              <a:ext uri="{28A0092B-C50C-407E-A947-70E740481C1C}">
+                <a14:useLocalDpi xmlns:a14="http://schemas.microsoft.com/office/drawing/2010/main" val="0"/>
+              </a:ext>
+            </a:extLst>
+          </a:blip>
+          <a:stretch>
+            <a:fillRect/>
+          </a:stretch>
+        </p:blipFill>
+        <p:spPr>
+          <a:xfrm>
+            <a:off x="4391025" y="3658630"/>
+            <a:ext cx="2521507" cy="2521507"/>
+          </a:xfrm>
+          <a:prstGeom prst="rect">
+            <a:avLst/>
+          </a:prstGeom>
+        </p:spPr>
+      </p:pic>
     </p:spTree>
     <p:extLst>
       <p:ext uri="{BB962C8B-B14F-4D97-AF65-F5344CB8AC3E}">
@@ -3828,6 +4137,13 @@
   <p:clrMapOvr>
     <a:masterClrMapping/>
   </p:clrMapOvr>
+  <p:timing>
+    <p:tnLst>
+      <p:par>
+        <p:cTn id="1" dur="indefinite" restart="never" nodeType="tmRoot"/>
+      </p:par>
+    </p:tnLst>
+  </p:timing>
 </p:sld>
 </file>
 
@@ -3863,101 +4179,214 @@
           <a:bodyPr/>
           <a:lstStyle/>
           <a:p>
-            <a:r>
-              <a:rPr lang="ru-RU" dirty="0">
-                <a:latin typeface="Segoe UI" panose="020B0502040204020203" pitchFamily="34" charset="0"/>
-                <a:cs typeface="Segoe UI" panose="020B0502040204020203" pitchFamily="34" charset="0"/>
+            <a:pPr algn="ctr"/>
+            <a:r>
+              <a:rPr lang="ru-RU" dirty="0" smtClean="0"/>
+              <a:t>Распределение задач</a:t>
+            </a:r>
+            <a:r>
+              <a:rPr lang="en-US" dirty="0" smtClean="0"/>
+              <a:t> </a:t>
+            </a:r>
+            <a:r>
+              <a:rPr lang="ru-RU" dirty="0" smtClean="0"/>
+              <a:t>и технологий между разработчиками</a:t>
+            </a:r>
+            <a:endParaRPr lang="en-US" dirty="0"/>
+          </a:p>
+        </p:txBody>
+      </p:sp>
+      <p:sp>
+        <p:nvSpPr>
+          <p:cNvPr id="3" name="Объект 2"/>
+          <p:cNvSpPr>
+            <a:spLocks noGrp="1"/>
+          </p:cNvSpPr>
+          <p:nvPr>
+            <p:ph idx="1"/>
+          </p:nvPr>
+        </p:nvSpPr>
+        <p:spPr/>
+        <p:txBody>
+          <a:bodyPr>
+            <a:normAutofit/>
+          </a:bodyPr>
+          <a:lstStyle/>
+          <a:p>
+            <a:pPr algn="just"/>
+            <a:r>
+              <a:rPr lang="ru-RU" sz="2400" dirty="0" err="1" smtClean="0">
+                <a:latin typeface="Times New Roman" panose="02020603050405020304" pitchFamily="18" charset="0"/>
+                <a:cs typeface="Times New Roman" panose="02020603050405020304" pitchFamily="18" charset="0"/>
               </a:rPr>
-              <a:t>Использованные библиотеки:</a:t>
-            </a:r>
-            <a:endParaRPr lang="en-US" dirty="0"/>
-          </a:p>
-        </p:txBody>
-      </p:sp>
-      <p:sp>
-        <p:nvSpPr>
-          <p:cNvPr id="3" name="Объект 2"/>
-          <p:cNvSpPr>
-            <a:spLocks noGrp="1"/>
-          </p:cNvSpPr>
-          <p:nvPr>
-            <p:ph idx="1"/>
-          </p:nvPr>
-        </p:nvSpPr>
-        <p:spPr/>
-        <p:txBody>
-          <a:bodyPr/>
-          <a:lstStyle/>
-          <a:p>
-            <a:r>
-              <a:rPr lang="en-US" dirty="0" smtClean="0"/>
-              <a:t>Flask</a:t>
-            </a:r>
-          </a:p>
-          <a:p>
-            <a:r>
-              <a:rPr lang="en-US" dirty="0" err="1" smtClean="0"/>
-              <a:t>SQLAlchemy</a:t>
-            </a:r>
-            <a:endParaRPr lang="en-US" dirty="0" smtClean="0"/>
-          </a:p>
-          <a:p>
-            <a:r>
-              <a:rPr lang="en-US" dirty="0" smtClean="0"/>
-              <a:t>Pillow</a:t>
-            </a:r>
-          </a:p>
-          <a:p>
-            <a:r>
-              <a:rPr lang="en-US" dirty="0" smtClean="0"/>
-              <a:t>Requests</a:t>
-            </a:r>
-          </a:p>
-          <a:p>
-            <a:r>
-              <a:rPr lang="en-US" dirty="0" err="1" smtClean="0"/>
-              <a:t>Os</a:t>
-            </a:r>
-            <a:endParaRPr lang="en-US" dirty="0" smtClean="0"/>
-          </a:p>
-          <a:p>
-            <a:r>
-              <a:rPr lang="en-US" dirty="0" smtClean="0"/>
-              <a:t>Random</a:t>
-            </a:r>
-          </a:p>
-          <a:p>
-            <a:r>
-              <a:rPr lang="en-US" dirty="0" smtClean="0"/>
-              <a:t>Cryptography</a:t>
-            </a:r>
-          </a:p>
-          <a:p>
-            <a:r>
-              <a:rPr lang="en-US" dirty="0" err="1" smtClean="0"/>
-              <a:t>Functools</a:t>
-            </a:r>
-            <a:endParaRPr lang="en-US" dirty="0" smtClean="0"/>
-          </a:p>
-          <a:p>
-            <a:r>
-              <a:rPr lang="en-US" dirty="0" err="1" smtClean="0"/>
-              <a:t>importlib</a:t>
-            </a:r>
-            <a:endParaRPr lang="en-US" dirty="0"/>
-          </a:p>
-        </p:txBody>
-      </p:sp>
+              <a:t>Сермягин</a:t>
+            </a:r>
+            <a:r>
+              <a:rPr lang="ru-RU" sz="2400" dirty="0" smtClean="0">
+                <a:latin typeface="Times New Roman" panose="02020603050405020304" pitchFamily="18" charset="0"/>
+                <a:cs typeface="Times New Roman" panose="02020603050405020304" pitchFamily="18" charset="0"/>
+              </a:rPr>
+              <a:t> Кирилл:</a:t>
+            </a:r>
+            <a:r>
+              <a:rPr lang="ru-RU" sz="2400" dirty="0">
+                <a:latin typeface="Times New Roman" panose="02020603050405020304" pitchFamily="18" charset="0"/>
+                <a:cs typeface="Times New Roman" panose="02020603050405020304" pitchFamily="18" charset="0"/>
+              </a:rPr>
+              <a:t> </a:t>
+            </a:r>
+            <a:r>
+              <a:rPr lang="ru-RU" sz="2400" dirty="0" smtClean="0">
+                <a:latin typeface="Times New Roman" panose="02020603050405020304" pitchFamily="18" charset="0"/>
+                <a:cs typeface="Times New Roman" panose="02020603050405020304" pitchFamily="18" charset="0"/>
+              </a:rPr>
+              <a:t>полное проектирование проекта и создание его архитектуры, разработка </a:t>
+            </a:r>
+            <a:r>
+              <a:rPr lang="en-US" sz="2400" dirty="0" smtClean="0">
+                <a:latin typeface="Times New Roman" panose="02020603050405020304" pitchFamily="18" charset="0"/>
+                <a:cs typeface="Times New Roman" panose="02020603050405020304" pitchFamily="18" charset="0"/>
+              </a:rPr>
+              <a:t>FRONTEND </a:t>
+            </a:r>
+            <a:r>
+              <a:rPr lang="ru-RU" sz="2400" dirty="0" smtClean="0">
+                <a:latin typeface="Times New Roman" panose="02020603050405020304" pitchFamily="18" charset="0"/>
+                <a:cs typeface="Times New Roman" panose="02020603050405020304" pitchFamily="18" charset="0"/>
+              </a:rPr>
+              <a:t>части </a:t>
+            </a:r>
+            <a:r>
+              <a:rPr lang="en-US" sz="2400" dirty="0" smtClean="0">
+                <a:latin typeface="Times New Roman" panose="02020603050405020304" pitchFamily="18" charset="0"/>
+                <a:cs typeface="Times New Roman" panose="02020603050405020304" pitchFamily="18" charset="0"/>
+              </a:rPr>
+              <a:t>WEB </a:t>
+            </a:r>
+            <a:r>
+              <a:rPr lang="ru-RU" sz="2400" dirty="0" smtClean="0">
+                <a:latin typeface="Times New Roman" panose="02020603050405020304" pitchFamily="18" charset="0"/>
+                <a:cs typeface="Times New Roman" panose="02020603050405020304" pitchFamily="18" charset="0"/>
+              </a:rPr>
+              <a:t>приложения, частичное создание </a:t>
+            </a:r>
+            <a:r>
+              <a:rPr lang="en-US" sz="2400" dirty="0" smtClean="0">
+                <a:latin typeface="Times New Roman" panose="02020603050405020304" pitchFamily="18" charset="0"/>
+                <a:cs typeface="Times New Roman" panose="02020603050405020304" pitchFamily="18" charset="0"/>
+              </a:rPr>
+              <a:t>API</a:t>
+            </a:r>
+            <a:endParaRPr lang="ru-RU" sz="2400" dirty="0" smtClean="0">
+              <a:latin typeface="Times New Roman" panose="02020603050405020304" pitchFamily="18" charset="0"/>
+              <a:cs typeface="Times New Roman" panose="02020603050405020304" pitchFamily="18" charset="0"/>
+            </a:endParaRPr>
+          </a:p>
+          <a:p>
+            <a:pPr algn="just"/>
+            <a:r>
+              <a:rPr lang="ru-RU" sz="2400" dirty="0" err="1" smtClean="0">
+                <a:latin typeface="Times New Roman" panose="02020603050405020304" pitchFamily="18" charset="0"/>
+                <a:cs typeface="Times New Roman" panose="02020603050405020304" pitchFamily="18" charset="0"/>
+              </a:rPr>
+              <a:t>Кижинов</a:t>
+            </a:r>
+            <a:r>
+              <a:rPr lang="ru-RU" sz="2400" dirty="0" smtClean="0">
+                <a:latin typeface="Times New Roman" panose="02020603050405020304" pitchFamily="18" charset="0"/>
+                <a:cs typeface="Times New Roman" panose="02020603050405020304" pitchFamily="18" charset="0"/>
+              </a:rPr>
+              <a:t> Андрей: написание и тестирование</a:t>
+            </a:r>
+            <a:r>
+              <a:rPr lang="en-US" sz="2400" dirty="0" smtClean="0">
+                <a:latin typeface="Times New Roman" panose="02020603050405020304" pitchFamily="18" charset="0"/>
+                <a:cs typeface="Times New Roman" panose="02020603050405020304" pitchFamily="18" charset="0"/>
+              </a:rPr>
+              <a:t> API.</a:t>
+            </a:r>
+            <a:r>
+              <a:rPr lang="ru-RU" sz="2400" dirty="0" smtClean="0">
+                <a:latin typeface="Times New Roman" panose="02020603050405020304" pitchFamily="18" charset="0"/>
+                <a:cs typeface="Times New Roman" panose="02020603050405020304" pitchFamily="18" charset="0"/>
+              </a:rPr>
+              <a:t> Разработка </a:t>
+            </a:r>
+            <a:r>
+              <a:rPr lang="en-US" sz="2400" dirty="0" smtClean="0">
+                <a:latin typeface="Times New Roman" panose="02020603050405020304" pitchFamily="18" charset="0"/>
+                <a:cs typeface="Times New Roman" panose="02020603050405020304" pitchFamily="18" charset="0"/>
+              </a:rPr>
+              <a:t>ORM </a:t>
+            </a:r>
+            <a:r>
+              <a:rPr lang="ru-RU" sz="2400" dirty="0" smtClean="0">
+                <a:latin typeface="Times New Roman" panose="02020603050405020304" pitchFamily="18" charset="0"/>
+                <a:cs typeface="Times New Roman" panose="02020603050405020304" pitchFamily="18" charset="0"/>
+              </a:rPr>
+              <a:t>для работы с БД </a:t>
+            </a:r>
+            <a:r>
+              <a:rPr lang="en-US" sz="2400" dirty="0" err="1" smtClean="0">
+                <a:latin typeface="Times New Roman" panose="02020603050405020304" pitchFamily="18" charset="0"/>
+                <a:cs typeface="Times New Roman" panose="02020603050405020304" pitchFamily="18" charset="0"/>
+              </a:rPr>
+              <a:t>sqlite</a:t>
+            </a:r>
+            <a:endParaRPr lang="ru-RU" sz="2400" dirty="0">
+              <a:latin typeface="Times New Roman" panose="02020603050405020304" pitchFamily="18" charset="0"/>
+              <a:cs typeface="Times New Roman" panose="02020603050405020304" pitchFamily="18" charset="0"/>
+            </a:endParaRPr>
+          </a:p>
+        </p:txBody>
+      </p:sp>
+      <p:pic>
+        <p:nvPicPr>
+          <p:cNvPr id="4" name="Рисунок 3"/>
+          <p:cNvPicPr>
+            <a:picLocks noChangeAspect="1"/>
+          </p:cNvPicPr>
+          <p:nvPr/>
+        </p:nvPicPr>
+        <p:blipFill>
+          <a:blip r:embed="rId2">
+            <a:extLst>
+              <a:ext uri="{28A0092B-C50C-407E-A947-70E740481C1C}">
+                <a14:useLocalDpi xmlns:a14="http://schemas.microsoft.com/office/drawing/2010/main" val="0"/>
+              </a:ext>
+            </a:extLst>
+          </a:blip>
+          <a:stretch>
+            <a:fillRect/>
+          </a:stretch>
+        </p:blipFill>
+        <p:spPr>
+          <a:xfrm>
+            <a:off x="4354792" y="4004468"/>
+            <a:ext cx="2409520" cy="2409520"/>
+          </a:xfrm>
+          <a:prstGeom prst="rect">
+            <a:avLst/>
+          </a:prstGeom>
+        </p:spPr>
+      </p:pic>
     </p:spTree>
     <p:extLst>
       <p:ext uri="{BB962C8B-B14F-4D97-AF65-F5344CB8AC3E}">
-        <p14:creationId xmlns:p14="http://schemas.microsoft.com/office/powerpoint/2010/main" val="4128681332"/>
+        <p14:creationId xmlns:p14="http://schemas.microsoft.com/office/powerpoint/2010/main" val="2371533070"/>
       </p:ext>
     </p:extLst>
   </p:cSld>
   <p:clrMapOvr>
     <a:masterClrMapping/>
   </p:clrMapOvr>
+  <p:timing>
+    <p:tnLst>
+      <p:par>
+        <p:cTn id="1" dur="indefinite" restart="never" nodeType="tmRoot"/>
+      </p:par>
+    </p:tnLst>
+  </p:timing>
 </p:sld>
 </file>
 
@@ -3988,6 +4417,173 @@
             <p:ph type="title"/>
           </p:nvPr>
         </p:nvSpPr>
+        <p:spPr/>
+        <p:txBody>
+          <a:bodyPr/>
+          <a:lstStyle/>
+          <a:p>
+            <a:r>
+              <a:rPr lang="ru-RU" dirty="0">
+                <a:latin typeface="Segoe UI" panose="020B0502040204020203" pitchFamily="34" charset="0"/>
+                <a:cs typeface="Segoe UI" panose="020B0502040204020203" pitchFamily="34" charset="0"/>
+              </a:rPr>
+              <a:t>Использованные библиотеки:</a:t>
+            </a:r>
+            <a:endParaRPr lang="en-US" dirty="0"/>
+          </a:p>
+        </p:txBody>
+      </p:sp>
+      <p:sp>
+        <p:nvSpPr>
+          <p:cNvPr id="3" name="Объект 2"/>
+          <p:cNvSpPr>
+            <a:spLocks noGrp="1"/>
+          </p:cNvSpPr>
+          <p:nvPr>
+            <p:ph idx="1"/>
+          </p:nvPr>
+        </p:nvSpPr>
+        <p:spPr/>
+        <p:txBody>
+          <a:bodyPr/>
+          <a:lstStyle/>
+          <a:p>
+            <a:r>
+              <a:rPr lang="en-US" dirty="0" smtClean="0"/>
+              <a:t>Flask</a:t>
+            </a:r>
+          </a:p>
+          <a:p>
+            <a:r>
+              <a:rPr lang="en-US" dirty="0" err="1" smtClean="0"/>
+              <a:t>SQLAlchemy</a:t>
+            </a:r>
+            <a:endParaRPr lang="en-US" dirty="0" smtClean="0"/>
+          </a:p>
+          <a:p>
+            <a:r>
+              <a:rPr lang="en-US" dirty="0" smtClean="0"/>
+              <a:t>Pillow</a:t>
+            </a:r>
+          </a:p>
+          <a:p>
+            <a:r>
+              <a:rPr lang="en-US" dirty="0" smtClean="0"/>
+              <a:t>Requests</a:t>
+            </a:r>
+          </a:p>
+          <a:p>
+            <a:r>
+              <a:rPr lang="en-US" dirty="0" err="1" smtClean="0"/>
+              <a:t>Os</a:t>
+            </a:r>
+            <a:endParaRPr lang="en-US" dirty="0" smtClean="0"/>
+          </a:p>
+          <a:p>
+            <a:r>
+              <a:rPr lang="en-US" dirty="0" smtClean="0"/>
+              <a:t>Random</a:t>
+            </a:r>
+          </a:p>
+          <a:p>
+            <a:r>
+              <a:rPr lang="en-US" dirty="0" smtClean="0"/>
+              <a:t>Cryptography</a:t>
+            </a:r>
+          </a:p>
+          <a:p>
+            <a:r>
+              <a:rPr lang="en-US" dirty="0" err="1" smtClean="0"/>
+              <a:t>Functools</a:t>
+            </a:r>
+            <a:endParaRPr lang="en-US" dirty="0" smtClean="0"/>
+          </a:p>
+          <a:p>
+            <a:r>
+              <a:rPr lang="en-US" dirty="0" err="1" smtClean="0"/>
+              <a:t>importlib</a:t>
+            </a:r>
+            <a:endParaRPr lang="en-US" dirty="0"/>
+          </a:p>
+        </p:txBody>
+      </p:sp>
+      <p:pic>
+        <p:nvPicPr>
+          <p:cNvPr id="4" name="Рисунок 3"/>
+          <p:cNvPicPr>
+            <a:picLocks noChangeAspect="1"/>
+          </p:cNvPicPr>
+          <p:nvPr/>
+        </p:nvPicPr>
+        <p:blipFill>
+          <a:blip r:embed="rId2">
+            <a:extLst>
+              <a:ext uri="{28A0092B-C50C-407E-A947-70E740481C1C}">
+                <a14:useLocalDpi xmlns:a14="http://schemas.microsoft.com/office/drawing/2010/main" val="0"/>
+              </a:ext>
+            </a:extLst>
+          </a:blip>
+          <a:stretch>
+            <a:fillRect/>
+          </a:stretch>
+        </p:blipFill>
+        <p:spPr>
+          <a:xfrm>
+            <a:off x="6467780" y="2028183"/>
+            <a:ext cx="3952570" cy="3952570"/>
+          </a:xfrm>
+          <a:prstGeom prst="rect">
+            <a:avLst/>
+          </a:prstGeom>
+        </p:spPr>
+      </p:pic>
+    </p:spTree>
+    <p:extLst>
+      <p:ext uri="{BB962C8B-B14F-4D97-AF65-F5344CB8AC3E}">
+        <p14:creationId xmlns:p14="http://schemas.microsoft.com/office/powerpoint/2010/main" val="4128681332"/>
+      </p:ext>
+    </p:extLst>
+  </p:cSld>
+  <p:clrMapOvr>
+    <a:masterClrMapping/>
+  </p:clrMapOvr>
+  <p:timing>
+    <p:tnLst>
+      <p:par>
+        <p:cTn id="1" dur="indefinite" restart="never" nodeType="tmRoot"/>
+      </p:par>
+    </p:tnLst>
+  </p:timing>
+</p:sld>
+</file>
+
+<file path=ppt/slides/slide6.xml><?xml version="1.0" encoding="utf-8"?>
+<p:sld xmlns:a="http://schemas.openxmlformats.org/drawingml/2006/main" xmlns:r="http://schemas.openxmlformats.org/officeDocument/2006/relationships" xmlns:p="http://schemas.openxmlformats.org/presentationml/2006/main">
+  <p:cSld>
+    <p:spTree>
+      <p:nvGrpSpPr>
+        <p:cNvPr id="1" name=""/>
+        <p:cNvGrpSpPr/>
+        <p:nvPr/>
+      </p:nvGrpSpPr>
+      <p:grpSpPr>
+        <a:xfrm>
+          <a:off x="0" y="0"/>
+          <a:ext cx="0" cy="0"/>
+          <a:chOff x="0" y="0"/>
+          <a:chExt cx="0" cy="0"/>
+        </a:xfrm>
+      </p:grpSpPr>
+      <p:sp>
+        <p:nvSpPr>
+          <p:cNvPr id="2" name="Заголовок 1"/>
+          <p:cNvSpPr>
+            <a:spLocks noGrp="1"/>
+          </p:cNvSpPr>
+          <p:nvPr>
+            <p:ph type="title"/>
+          </p:nvPr>
+        </p:nvSpPr>
         <p:spPr>
           <a:xfrm>
             <a:off x="-1" y="0"/>
@@ -4073,10 +4669,17 @@
   <p:clrMapOvr>
     <a:masterClrMapping/>
   </p:clrMapOvr>
+  <p:timing>
+    <p:tnLst>
+      <p:par>
+        <p:cTn id="1" dur="indefinite" restart="never" nodeType="tmRoot"/>
+      </p:par>
+    </p:tnLst>
+  </p:timing>
 </p:sld>
 </file>
 
-<file path=ppt/slides/slide6.xml><?xml version="1.0" encoding="utf-8"?>
+<file path=ppt/slides/slide7.xml><?xml version="1.0" encoding="utf-8"?>
 <p:sld xmlns:a="http://schemas.openxmlformats.org/drawingml/2006/main" xmlns:r="http://schemas.openxmlformats.org/officeDocument/2006/relationships" xmlns:p="http://schemas.openxmlformats.org/presentationml/2006/main">
   <p:cSld>
     <p:spTree>
@@ -4157,10 +4760,17 @@
   <p:clrMapOvr>
     <a:masterClrMapping/>
   </p:clrMapOvr>
+  <p:timing>
+    <p:tnLst>
+      <p:par>
+        <p:cTn id="1" dur="indefinite" restart="never" nodeType="tmRoot"/>
+      </p:par>
+    </p:tnLst>
+  </p:timing>
 </p:sld>
 </file>
 
-<file path=ppt/slides/slide7.xml><?xml version="1.0" encoding="utf-8"?>
+<file path=ppt/slides/slide8.xml><?xml version="1.0" encoding="utf-8"?>
 <p:sld xmlns:a="http://schemas.openxmlformats.org/drawingml/2006/main" xmlns:r="http://schemas.openxmlformats.org/officeDocument/2006/relationships" xmlns:p="http://schemas.openxmlformats.org/presentationml/2006/main">
   <p:cSld>
     <p:spTree>
@@ -4241,10 +4851,17 @@
   <p:clrMapOvr>
     <a:masterClrMapping/>
   </p:clrMapOvr>
+  <p:timing>
+    <p:tnLst>
+      <p:par>
+        <p:cTn id="1" dur="indefinite" restart="never" nodeType="tmRoot"/>
+      </p:par>
+    </p:tnLst>
+  </p:timing>
 </p:sld>
 </file>
 
-<file path=ppt/slides/slide8.xml><?xml version="1.0" encoding="utf-8"?>
+<file path=ppt/slides/slide9.xml><?xml version="1.0" encoding="utf-8"?>
 <p:sld xmlns:a="http://schemas.openxmlformats.org/drawingml/2006/main" xmlns:r="http://schemas.openxmlformats.org/officeDocument/2006/relationships" xmlns:p="http://schemas.openxmlformats.org/presentationml/2006/main">
   <p:cSld>
     <p:spTree>
@@ -4325,112 +4942,13 @@
   <p:clrMapOvr>
     <a:masterClrMapping/>
   </p:clrMapOvr>
-</p:sld>
-</file>
-
-<file path=ppt/slides/slide9.xml><?xml version="1.0" encoding="utf-8"?>
-<p:sld xmlns:a="http://schemas.openxmlformats.org/drawingml/2006/main" xmlns:r="http://schemas.openxmlformats.org/officeDocument/2006/relationships" xmlns:p="http://schemas.openxmlformats.org/presentationml/2006/main">
-  <p:cSld>
-    <p:spTree>
-      <p:nvGrpSpPr>
-        <p:cNvPr id="1" name=""/>
-        <p:cNvGrpSpPr/>
-        <p:nvPr/>
-      </p:nvGrpSpPr>
-      <p:grpSpPr>
-        <a:xfrm>
-          <a:off x="0" y="0"/>
-          <a:ext cx="0" cy="0"/>
-          <a:chOff x="0" y="0"/>
-          <a:chExt cx="0" cy="0"/>
-        </a:xfrm>
-      </p:grpSpPr>
-      <p:sp>
-        <p:nvSpPr>
-          <p:cNvPr id="2" name="Заголовок 1"/>
-          <p:cNvSpPr>
-            <a:spLocks noGrp="1"/>
-          </p:cNvSpPr>
-          <p:nvPr>
-            <p:ph type="title"/>
-          </p:nvPr>
-        </p:nvSpPr>
-        <p:spPr/>
-        <p:txBody>
-          <a:bodyPr/>
-          <a:lstStyle/>
-          <a:p>
-            <a:r>
-              <a:rPr lang="ru-RU" dirty="0" smtClean="0"/>
-              <a:t>Возможности по доработке</a:t>
-            </a:r>
-            <a:r>
-              <a:rPr lang="en-US" dirty="0" smtClean="0"/>
-              <a:t>:</a:t>
-            </a:r>
-            <a:endParaRPr lang="en-US" dirty="0"/>
-          </a:p>
-        </p:txBody>
-      </p:sp>
-      <p:sp>
-        <p:nvSpPr>
-          <p:cNvPr id="3" name="Объект 2"/>
-          <p:cNvSpPr>
-            <a:spLocks noGrp="1"/>
-          </p:cNvSpPr>
-          <p:nvPr>
-            <p:ph idx="1"/>
-          </p:nvPr>
-        </p:nvSpPr>
-        <p:spPr/>
-        <p:txBody>
-          <a:bodyPr/>
-          <a:lstStyle/>
-          <a:p>
-            <a:r>
-              <a:rPr lang="ru-RU" dirty="0" smtClean="0"/>
-              <a:t>Добавить чат между пользователями которые </a:t>
-            </a:r>
-            <a:r>
-              <a:rPr lang="ru-RU" dirty="0" err="1" smtClean="0"/>
-              <a:t>лайкнули</a:t>
-            </a:r>
-            <a:r>
-              <a:rPr lang="ru-RU" dirty="0" smtClean="0"/>
-              <a:t> друг друга</a:t>
-            </a:r>
-          </a:p>
-          <a:p>
-            <a:r>
-              <a:rPr lang="ru-RU" dirty="0" smtClean="0"/>
-              <a:t>Добавить возможность создавать мероприятия</a:t>
-            </a:r>
-          </a:p>
-          <a:p>
-            <a:r>
-              <a:rPr lang="ru-RU" dirty="0" smtClean="0"/>
-              <a:t>Улучшить алгоритм рекомендация пользователей</a:t>
-            </a:r>
-          </a:p>
-          <a:p>
-            <a:r>
-              <a:rPr lang="ru-RU" dirty="0" smtClean="0"/>
-              <a:t>Добавить поиск по интересам</a:t>
-            </a:r>
-            <a:endParaRPr lang="en-US" dirty="0"/>
-          </a:p>
-        </p:txBody>
-      </p:sp>
-    </p:spTree>
-    <p:extLst>
-      <p:ext uri="{BB962C8B-B14F-4D97-AF65-F5344CB8AC3E}">
-        <p14:creationId xmlns:p14="http://schemas.microsoft.com/office/powerpoint/2010/main" val="213581767"/>
-      </p:ext>
-    </p:extLst>
-  </p:cSld>
-  <p:clrMapOvr>
-    <a:masterClrMapping/>
-  </p:clrMapOvr>
+  <p:timing>
+    <p:tnLst>
+      <p:par>
+        <p:cTn id="1" dur="indefinite" restart="never" nodeType="tmRoot"/>
+      </p:par>
+    </p:tnLst>
+  </p:timing>
 </p:sld>
 </file>
 
